--- a/Presentacion_Certificacion_DevOps.pptx
+++ b/Presentacion_Certificacion_DevOps.pptx
@@ -13858,7 +13858,7 @@
         </p:nvSpPr>
         <p:spPr>
           <a:xfrm>
-            <a:off x="2902831" y="2187275"/>
+            <a:off x="2777785" y="3139043"/>
             <a:ext cx="3732431" cy="648000"/>
           </a:xfrm>
         </p:spPr>
@@ -13871,6 +13871,121 @@
               <a:t>Muchas Gracias!!!!</a:t>
             </a:r>
             <a:endParaRPr lang="es-AR" dirty="0"/>
+          </a:p>
+        </p:txBody>
+      </p:sp>
+      <p:sp>
+        <p:nvSpPr>
+          <p:cNvPr id="3" name="TextShape 2">
+            <a:extLst>
+              <a:ext uri="{FF2B5EF4-FFF2-40B4-BE49-F238E27FC236}">
+                <a16:creationId xmlns:a16="http://schemas.microsoft.com/office/drawing/2014/main" id="{F8D832FC-41A1-43C3-9D20-B3EAF1F0D604}"/>
+              </a:ext>
+            </a:extLst>
+          </p:cNvPr>
+          <p:cNvSpPr txBox="1"/>
+          <p:nvPr/>
+        </p:nvSpPr>
+        <p:spPr>
+          <a:xfrm>
+            <a:off x="515815" y="926279"/>
+            <a:ext cx="9168186" cy="957229"/>
+          </a:xfrm>
+          <a:prstGeom prst="rect">
+            <a:avLst/>
+          </a:prstGeom>
+          <a:noFill/>
+          <a:ln>
+            <a:noFill/>
+          </a:ln>
+        </p:spPr>
+        <p:txBody>
+          <a:bodyPr lIns="90000" tIns="45000" rIns="90000" bIns="45000">
+            <a:noAutofit/>
+          </a:bodyPr>
+          <a:lstStyle/>
+          <a:p>
+            <a:pPr>
+              <a:lnSpc>
+                <a:spcPct val="100000"/>
+              </a:lnSpc>
+              <a:buClr>
+                <a:srgbClr val="FFFFFF"/>
+              </a:buClr>
+              <a:buSzPct val="45000"/>
+            </a:pPr>
+            <a:r>
+              <a:rPr lang="es-AR" spc="-1" dirty="0">
+                <a:solidFill>
+                  <a:schemeClr val="tx1">
+                    <a:lumMod val="75000"/>
+                    <a:lumOff val="25000"/>
+                  </a:schemeClr>
+                </a:solidFill>
+              </a:rPr>
+              <a:t>Repositorio de Archivos:</a:t>
+            </a:r>
+          </a:p>
+          <a:p>
+            <a:pPr>
+              <a:lnSpc>
+                <a:spcPct val="100000"/>
+              </a:lnSpc>
+              <a:buClr>
+                <a:srgbClr val="FFFFFF"/>
+              </a:buClr>
+              <a:buSzPct val="45000"/>
+            </a:pPr>
+            <a:r>
+              <a:rPr lang="es-AR" spc="-1" dirty="0">
+                <a:solidFill>
+                  <a:schemeClr val="tx1">
+                    <a:lumMod val="75000"/>
+                    <a:lumOff val="25000"/>
+                  </a:schemeClr>
+                </a:solidFill>
+              </a:rPr>
+              <a:t>	</a:t>
+            </a:r>
+            <a:r>
+              <a:rPr lang="es-AR" dirty="0" err="1">
+                <a:hlinkClick r:id="rId2"/>
+              </a:rPr>
+              <a:t>LaloSoftApps</a:t>
+            </a:r>
+            <a:r>
+              <a:rPr lang="es-AR" dirty="0">
+                <a:hlinkClick r:id="rId2"/>
+              </a:rPr>
+              <a:t>/PIM-DevOps: Repo Proyecto Integrados DevOps (github.com)</a:t>
+            </a:r>
+            <a:endParaRPr lang="es-AR" spc="-1" dirty="0">
+              <a:solidFill>
+                <a:schemeClr val="tx1">
+                  <a:lumMod val="75000"/>
+                  <a:lumOff val="25000"/>
+                </a:schemeClr>
+              </a:solidFill>
+            </a:endParaRPr>
+          </a:p>
+          <a:p>
+            <a:pPr>
+              <a:lnSpc>
+                <a:spcPct val="100000"/>
+              </a:lnSpc>
+              <a:buClr>
+                <a:srgbClr val="FFFFFF"/>
+              </a:buClr>
+              <a:buSzPct val="45000"/>
+            </a:pPr>
+            <a:endParaRPr lang="es-AR" spc="-1" dirty="0">
+              <a:solidFill>
+                <a:schemeClr val="tx1">
+                  <a:lumMod val="75000"/>
+                  <a:lumOff val="25000"/>
+                </a:schemeClr>
+              </a:solidFill>
+            </a:endParaRPr>
           </a:p>
         </p:txBody>
       </p:sp>

--- a/Presentacion_Certificacion_DevOps.pptx
+++ b/Presentacion_Certificacion_DevOps.pptx
@@ -11444,48 +11444,110 @@
       </p:sp>
       <p:pic>
         <p:nvPicPr>
-          <p:cNvPr id="172" name="Imagen 171"/>
-          <p:cNvPicPr/>
+          <p:cNvPr id="7" name="Imagen 6" descr="Texto&#10;&#10;Descripción generada automáticamente">
+            <a:extLst>
+              <a:ext uri="{FF2B5EF4-FFF2-40B4-BE49-F238E27FC236}">
+                <a16:creationId xmlns:a16="http://schemas.microsoft.com/office/drawing/2014/main" id="{7EECFE94-817F-4A27-AE6C-766DE4983393}"/>
+              </a:ext>
+            </a:extLst>
+          </p:cNvPr>
+          <p:cNvPicPr>
+            <a:picLocks noChangeAspect="1"/>
+          </p:cNvPicPr>
           <p:nvPr/>
         </p:nvPicPr>
         <p:blipFill>
-          <a:blip r:embed="rId2"/>
-          <a:stretch/>
+          <a:blip r:embed="rId2">
+            <a:extLst>
+              <a:ext uri="{28A0092B-C50C-407E-A947-70E740481C1C}">
+                <a14:useLocalDpi xmlns:a14="http://schemas.microsoft.com/office/drawing/2010/main" val="0"/>
+              </a:ext>
+            </a:extLst>
+          </a:blip>
+          <a:stretch>
+            <a:fillRect/>
+          </a:stretch>
         </p:blipFill>
         <p:spPr>
           <a:xfrm>
-            <a:off x="144000" y="2623680"/>
-            <a:ext cx="7632000" cy="1552320"/>
+            <a:off x="307979" y="3638304"/>
+            <a:ext cx="4732021" cy="1913803"/>
           </a:xfrm>
           <a:prstGeom prst="rect">
             <a:avLst/>
           </a:prstGeom>
-          <a:ln>
-            <a:noFill/>
-          </a:ln>
         </p:spPr>
       </p:pic>
       <p:pic>
         <p:nvPicPr>
-          <p:cNvPr id="173" name="Imagen 172"/>
-          <p:cNvPicPr/>
+          <p:cNvPr id="9" name="Imagen 8">
+            <a:extLst>
+              <a:ext uri="{FF2B5EF4-FFF2-40B4-BE49-F238E27FC236}">
+                <a16:creationId xmlns:a16="http://schemas.microsoft.com/office/drawing/2014/main" id="{DE73B1FF-D040-4B61-9155-E75D4FDDC99D}"/>
+              </a:ext>
+            </a:extLst>
+          </p:cNvPr>
+          <p:cNvPicPr>
+            <a:picLocks noChangeAspect="1"/>
+          </p:cNvPicPr>
           <p:nvPr/>
         </p:nvPicPr>
         <p:blipFill>
-          <a:blip r:embed="rId3"/>
-          <a:stretch/>
+          <a:blip r:embed="rId3">
+            <a:extLst>
+              <a:ext uri="{28A0092B-C50C-407E-A947-70E740481C1C}">
+                <a14:useLocalDpi xmlns:a14="http://schemas.microsoft.com/office/drawing/2010/main" val="0"/>
+              </a:ext>
+            </a:extLst>
+          </a:blip>
+          <a:stretch>
+            <a:fillRect/>
+          </a:stretch>
         </p:blipFill>
         <p:spPr>
           <a:xfrm>
-            <a:off x="4282560" y="3101040"/>
-            <a:ext cx="5581440" cy="2298960"/>
+            <a:off x="144000" y="2597402"/>
+            <a:ext cx="9096375" cy="971550"/>
           </a:xfrm>
           <a:prstGeom prst="rect">
             <a:avLst/>
           </a:prstGeom>
-          <a:ln>
-            <a:noFill/>
-          </a:ln>
+        </p:spPr>
+      </p:pic>
+      <p:pic>
+        <p:nvPicPr>
+          <p:cNvPr id="3" name="Imagen 2" descr="Texto&#10;&#10;Descripción generada automáticamente">
+            <a:extLst>
+              <a:ext uri="{FF2B5EF4-FFF2-40B4-BE49-F238E27FC236}">
+                <a16:creationId xmlns:a16="http://schemas.microsoft.com/office/drawing/2014/main" id="{0FF4AD46-B52C-47FF-A6B9-5E7C8307502B}"/>
+              </a:ext>
+            </a:extLst>
+          </p:cNvPr>
+          <p:cNvPicPr>
+            <a:picLocks noChangeAspect="1"/>
+          </p:cNvPicPr>
+          <p:nvPr/>
+        </p:nvPicPr>
+        <p:blipFill>
+          <a:blip r:embed="rId4">
+            <a:extLst>
+              <a:ext uri="{28A0092B-C50C-407E-A947-70E740481C1C}">
+                <a14:useLocalDpi xmlns:a14="http://schemas.microsoft.com/office/drawing/2010/main" val="0"/>
+              </a:ext>
+            </a:extLst>
+          </a:blip>
+          <a:stretch>
+            <a:fillRect/>
+          </a:stretch>
+        </p:blipFill>
+        <p:spPr>
+          <a:xfrm>
+            <a:off x="4579619" y="2575560"/>
+            <a:ext cx="5264785" cy="3045900"/>
+          </a:xfrm>
+          <a:prstGeom prst="rect">
+            <a:avLst/>
+          </a:prstGeom>
         </p:spPr>
       </p:pic>
     </p:spTree>
@@ -11836,7 +11898,7 @@
         </p:blipFill>
         <p:spPr>
           <a:xfrm>
-            <a:off x="2736000" y="3104457"/>
+            <a:off x="2848105" y="4589110"/>
             <a:ext cx="7135200" cy="1009440"/>
           </a:xfrm>
           <a:prstGeom prst="rect">
@@ -11845,6 +11907,42 @@
           <a:ln>
             <a:noFill/>
           </a:ln>
+        </p:spPr>
+      </p:pic>
+      <p:pic>
+        <p:nvPicPr>
+          <p:cNvPr id="3" name="Imagen 2" descr="Texto&#10;&#10;Descripción generada automáticamente">
+            <a:extLst>
+              <a:ext uri="{FF2B5EF4-FFF2-40B4-BE49-F238E27FC236}">
+                <a16:creationId xmlns:a16="http://schemas.microsoft.com/office/drawing/2014/main" id="{5F01AFE0-5F02-4E75-A054-73075C10F58A}"/>
+              </a:ext>
+            </a:extLst>
+          </p:cNvPr>
+          <p:cNvPicPr>
+            <a:picLocks noChangeAspect="1"/>
+          </p:cNvPicPr>
+          <p:nvPr/>
+        </p:nvPicPr>
+        <p:blipFill>
+          <a:blip r:embed="rId4">
+            <a:extLst>
+              <a:ext uri="{28A0092B-C50C-407E-A947-70E740481C1C}">
+                <a14:useLocalDpi xmlns:a14="http://schemas.microsoft.com/office/drawing/2010/main" val="0"/>
+              </a:ext>
+            </a:extLst>
+          </a:blip>
+          <a:stretch>
+            <a:fillRect/>
+          </a:stretch>
+        </p:blipFill>
+        <p:spPr>
+          <a:xfrm>
+            <a:off x="4947852" y="2177534"/>
+            <a:ext cx="4736148" cy="2543487"/>
+          </a:xfrm>
+          <a:prstGeom prst="rect">
+            <a:avLst/>
+          </a:prstGeom>
         </p:spPr>
       </p:pic>
     </p:spTree>
@@ -11924,18 +12022,54 @@
       </p:sp>
       <p:pic>
         <p:nvPicPr>
-          <p:cNvPr id="179" name="Imagen 178"/>
+          <p:cNvPr id="3" name="Imagen 2" descr="Captura de pantalla de computadora&#10;&#10;Descripción generada automáticamente">
+            <a:extLst>
+              <a:ext uri="{FF2B5EF4-FFF2-40B4-BE49-F238E27FC236}">
+                <a16:creationId xmlns:a16="http://schemas.microsoft.com/office/drawing/2014/main" id="{7ED06793-0A4D-4448-AFE0-090E515DD152}"/>
+              </a:ext>
+            </a:extLst>
+          </p:cNvPr>
+          <p:cNvPicPr>
+            <a:picLocks noChangeAspect="1"/>
+          </p:cNvPicPr>
+          <p:nvPr/>
+        </p:nvPicPr>
+        <p:blipFill>
+          <a:blip r:embed="rId2">
+            <a:extLst>
+              <a:ext uri="{28A0092B-C50C-407E-A947-70E740481C1C}">
+                <a14:useLocalDpi xmlns:a14="http://schemas.microsoft.com/office/drawing/2010/main" val="0"/>
+              </a:ext>
+            </a:extLst>
+          </a:blip>
+          <a:stretch>
+            <a:fillRect/>
+          </a:stretch>
+        </p:blipFill>
+        <p:spPr>
+          <a:xfrm>
+            <a:off x="2360895" y="720000"/>
+            <a:ext cx="7535546" cy="2448905"/>
+          </a:xfrm>
+          <a:prstGeom prst="rect">
+            <a:avLst/>
+          </a:prstGeom>
+        </p:spPr>
+      </p:pic>
+      <p:pic>
+        <p:nvPicPr>
+          <p:cNvPr id="181" name="Imagen 180"/>
           <p:cNvPicPr/>
           <p:nvPr/>
         </p:nvPicPr>
         <p:blipFill>
-          <a:blip r:embed="rId2"/>
+          <a:blip r:embed="rId3"/>
           <a:stretch/>
         </p:blipFill>
         <p:spPr>
           <a:xfrm>
-            <a:off x="1095815" y="980280"/>
-            <a:ext cx="6892200" cy="1679040"/>
+            <a:off x="144000" y="2761210"/>
+            <a:ext cx="5254200" cy="2596680"/>
           </a:xfrm>
           <a:prstGeom prst="rect">
             <a:avLst/>
@@ -11952,36 +12086,13 @@
           <p:nvPr/>
         </p:nvPicPr>
         <p:blipFill>
-          <a:blip r:embed="rId3"/>
-          <a:stretch/>
-        </p:blipFill>
-        <p:spPr>
-          <a:xfrm>
-            <a:off x="5428781" y="2301660"/>
-            <a:ext cx="4460040" cy="1656000"/>
-          </a:xfrm>
-          <a:prstGeom prst="rect">
-            <a:avLst/>
-          </a:prstGeom>
-          <a:ln>
-            <a:noFill/>
-          </a:ln>
-        </p:spPr>
-      </p:pic>
-      <p:pic>
-        <p:nvPicPr>
-          <p:cNvPr id="181" name="Imagen 180"/>
-          <p:cNvPicPr/>
-          <p:nvPr/>
-        </p:nvPicPr>
-        <p:blipFill>
           <a:blip r:embed="rId4"/>
           <a:stretch/>
         </p:blipFill>
         <p:spPr>
           <a:xfrm>
-            <a:off x="80640" y="2659320"/>
-            <a:ext cx="5254200" cy="2596680"/>
+            <a:off x="5436401" y="3294550"/>
+            <a:ext cx="4460040" cy="1656000"/>
           </a:xfrm>
           <a:prstGeom prst="rect">
             <a:avLst/>
